--- a/thesis.pptx
+++ b/thesis.pptx
@@ -308,7 +308,7 @@
             <a:fld id="{1D8BD707-D9CF-40AE-B4C6-C98DA3205C09}" type="datetimeFigureOut">
               <a:rPr lang="en-US" smtClean="0"/>
               <a:pPr/>
-              <a:t>5/30/2018</a:t>
+              <a:t>6/13/2018</a:t>
             </a:fld>
             <a:endParaRPr lang="en-US"/>
           </a:p>
@@ -473,7 +473,7 @@
             <a:fld id="{1D8BD707-D9CF-40AE-B4C6-C98DA3205C09}" type="datetimeFigureOut">
               <a:rPr lang="en-US" smtClean="0"/>
               <a:pPr/>
-              <a:t>5/30/2018</a:t>
+              <a:t>6/13/2018</a:t>
             </a:fld>
             <a:endParaRPr lang="en-US"/>
           </a:p>
@@ -648,7 +648,7 @@
             <a:fld id="{1D8BD707-D9CF-40AE-B4C6-C98DA3205C09}" type="datetimeFigureOut">
               <a:rPr lang="en-US" smtClean="0"/>
               <a:pPr/>
-              <a:t>5/30/2018</a:t>
+              <a:t>6/13/2018</a:t>
             </a:fld>
             <a:endParaRPr lang="en-US"/>
           </a:p>
@@ -813,7 +813,7 @@
             <a:fld id="{1D8BD707-D9CF-40AE-B4C6-C98DA3205C09}" type="datetimeFigureOut">
               <a:rPr lang="en-US" smtClean="0"/>
               <a:pPr/>
-              <a:t>5/30/2018</a:t>
+              <a:t>6/13/2018</a:t>
             </a:fld>
             <a:endParaRPr lang="en-US"/>
           </a:p>
@@ -1055,7 +1055,7 @@
             <a:fld id="{1D8BD707-D9CF-40AE-B4C6-C98DA3205C09}" type="datetimeFigureOut">
               <a:rPr lang="en-US" smtClean="0"/>
               <a:pPr/>
-              <a:t>5/30/2018</a:t>
+              <a:t>6/13/2018</a:t>
             </a:fld>
             <a:endParaRPr lang="en-US"/>
           </a:p>
@@ -1337,7 +1337,7 @@
             <a:fld id="{1D8BD707-D9CF-40AE-B4C6-C98DA3205C09}" type="datetimeFigureOut">
               <a:rPr lang="en-US" smtClean="0"/>
               <a:pPr/>
-              <a:t>5/30/2018</a:t>
+              <a:t>6/13/2018</a:t>
             </a:fld>
             <a:endParaRPr lang="en-US"/>
           </a:p>
@@ -1753,7 +1753,7 @@
             <a:fld id="{1D8BD707-D9CF-40AE-B4C6-C98DA3205C09}" type="datetimeFigureOut">
               <a:rPr lang="en-US" smtClean="0"/>
               <a:pPr/>
-              <a:t>5/30/2018</a:t>
+              <a:t>6/13/2018</a:t>
             </a:fld>
             <a:endParaRPr lang="en-US"/>
           </a:p>
@@ -1867,7 +1867,7 @@
             <a:fld id="{1D8BD707-D9CF-40AE-B4C6-C98DA3205C09}" type="datetimeFigureOut">
               <a:rPr lang="en-US" smtClean="0"/>
               <a:pPr/>
-              <a:t>5/30/2018</a:t>
+              <a:t>6/13/2018</a:t>
             </a:fld>
             <a:endParaRPr lang="en-US"/>
           </a:p>
@@ -1959,7 +1959,7 @@
             <a:fld id="{1D8BD707-D9CF-40AE-B4C6-C98DA3205C09}" type="datetimeFigureOut">
               <a:rPr lang="en-US" smtClean="0"/>
               <a:pPr/>
-              <a:t>5/30/2018</a:t>
+              <a:t>6/13/2018</a:t>
             </a:fld>
             <a:endParaRPr lang="en-US"/>
           </a:p>
@@ -2231,7 +2231,7 @@
             <a:fld id="{1D8BD707-D9CF-40AE-B4C6-C98DA3205C09}" type="datetimeFigureOut">
               <a:rPr lang="en-US" smtClean="0"/>
               <a:pPr/>
-              <a:t>5/30/2018</a:t>
+              <a:t>6/13/2018</a:t>
             </a:fld>
             <a:endParaRPr lang="en-US"/>
           </a:p>
@@ -2480,7 +2480,7 @@
             <a:fld id="{1D8BD707-D9CF-40AE-B4C6-C98DA3205C09}" type="datetimeFigureOut">
               <a:rPr lang="en-US" smtClean="0"/>
               <a:pPr/>
-              <a:t>5/30/2018</a:t>
+              <a:t>6/13/2018</a:t>
             </a:fld>
             <a:endParaRPr lang="en-US"/>
           </a:p>
@@ -2688,7 +2688,7 @@
             <a:fld id="{1D8BD707-D9CF-40AE-B4C6-C98DA3205C09}" type="datetimeFigureOut">
               <a:rPr lang="en-US" smtClean="0"/>
               <a:pPr/>
-              <a:t>5/30/2018</a:t>
+              <a:t>6/13/2018</a:t>
             </a:fld>
             <a:endParaRPr lang="en-US"/>
           </a:p>
@@ -3069,7 +3069,12 @@
             <p:ph type="ctrTitle"/>
           </p:nvPr>
         </p:nvSpPr>
-        <p:spPr/>
+        <p:spPr>
+          <a:xfrm>
+            <a:off x="685800" y="2130425"/>
+            <a:ext cx="7772400" cy="1470025"/>
+          </a:xfrm>
+        </p:spPr>
         <p:txBody>
           <a:bodyPr>
             <a:noAutofit/>
